--- a/ppt 16-9/1548.有一天.pptx
+++ b/ppt 16-9/1548.有一天.pptx
@@ -129,7 +129,7 @@
           <p:cNvPr id="2" name="标题 1">
             <a:extLst>
               <a:ext uri="{FF2B5EF4-FFF2-40B4-BE49-F238E27FC236}">
-                <a16:creationId xmlns:a16="http://schemas.microsoft.com/office/drawing/2014/main" id="{30790E74-AC85-42E5-AC77-494DCD06D425}"/>
+                <a16:creationId xmlns:a16="http://schemas.microsoft.com/office/drawing/2014/main" id="{D2FB0C4F-74E0-CE0B-5F17-11082404B36E}"/>
               </a:ext>
             </a:extLst>
           </p:cNvPr>
@@ -166,7 +166,7 @@
           <p:cNvPr id="3" name="副标题 2">
             <a:extLst>
               <a:ext uri="{FF2B5EF4-FFF2-40B4-BE49-F238E27FC236}">
-                <a16:creationId xmlns:a16="http://schemas.microsoft.com/office/drawing/2014/main" id="{38234319-73D6-2DF2-04A6-DB808493EA69}"/>
+                <a16:creationId xmlns:a16="http://schemas.microsoft.com/office/drawing/2014/main" id="{95718289-10CE-D9DA-BE20-031126DE44C3}"/>
               </a:ext>
             </a:extLst>
           </p:cNvPr>
@@ -236,7 +236,7 @@
           <p:cNvPr id="4" name="日期占位符 3">
             <a:extLst>
               <a:ext uri="{FF2B5EF4-FFF2-40B4-BE49-F238E27FC236}">
-                <a16:creationId xmlns:a16="http://schemas.microsoft.com/office/drawing/2014/main" id="{36BE1E57-70AF-6934-156D-549838B76C86}"/>
+                <a16:creationId xmlns:a16="http://schemas.microsoft.com/office/drawing/2014/main" id="{2CCB682B-FB10-E2D6-8E25-843C97F88F9A}"/>
               </a:ext>
             </a:extLst>
           </p:cNvPr>
@@ -252,7 +252,7 @@
           <a:bodyPr/>
           <a:lstStyle/>
           <a:p>
-            <a:fld id="{8A8B5AF4-4F91-4C9A-AF30-8088FC0435E0}" type="datetimeFigureOut">
+            <a:fld id="{F087BD47-EFE4-4FBD-8495-1BA1642D28E2}" type="datetimeFigureOut">
               <a:rPr lang="zh-CN" altLang="en-US" smtClean="0"/>
               <a:t>2024/3/10</a:t>
             </a:fld>
@@ -265,7 +265,7 @@
           <p:cNvPr id="5" name="页脚占位符 4">
             <a:extLst>
               <a:ext uri="{FF2B5EF4-FFF2-40B4-BE49-F238E27FC236}">
-                <a16:creationId xmlns:a16="http://schemas.microsoft.com/office/drawing/2014/main" id="{78E7314E-04E3-D1DC-9EB7-EFBB2A216BEA}"/>
+                <a16:creationId xmlns:a16="http://schemas.microsoft.com/office/drawing/2014/main" id="{CFEE7C7D-19DF-A3A5-BC54-FDB6A4FBD139}"/>
               </a:ext>
             </a:extLst>
           </p:cNvPr>
@@ -290,7 +290,7 @@
           <p:cNvPr id="6" name="灯片编号占位符 5">
             <a:extLst>
               <a:ext uri="{FF2B5EF4-FFF2-40B4-BE49-F238E27FC236}">
-                <a16:creationId xmlns:a16="http://schemas.microsoft.com/office/drawing/2014/main" id="{43BF47BB-ADFE-FF9B-4D72-9406D731AF94}"/>
+                <a16:creationId xmlns:a16="http://schemas.microsoft.com/office/drawing/2014/main" id="{0E0F6C6C-131D-32B4-FF69-82F903FCE13B}"/>
               </a:ext>
             </a:extLst>
           </p:cNvPr>
@@ -306,7 +306,7 @@
           <a:bodyPr/>
           <a:lstStyle/>
           <a:p>
-            <a:fld id="{E18BAAD7-CA49-4577-A596-9DF61B914C27}" type="slidenum">
+            <a:fld id="{5A044EA0-9DF0-4429-BBBD-2B66A227EF1D}" type="slidenum">
               <a:rPr lang="zh-CN" altLang="en-US" smtClean="0"/>
               <a:t>‹#›</a:t>
             </a:fld>
@@ -317,7 +317,7 @@
     </p:spTree>
     <p:extLst>
       <p:ext uri="{BB962C8B-B14F-4D97-AF65-F5344CB8AC3E}">
-        <p14:creationId xmlns:p14="http://schemas.microsoft.com/office/powerpoint/2010/main" val="1743064445"/>
+        <p14:creationId xmlns:p14="http://schemas.microsoft.com/office/powerpoint/2010/main" val="3960011505"/>
       </p:ext>
     </p:extLst>
   </p:cSld>
@@ -349,7 +349,7 @@
           <p:cNvPr id="2" name="标题 1">
             <a:extLst>
               <a:ext uri="{FF2B5EF4-FFF2-40B4-BE49-F238E27FC236}">
-                <a16:creationId xmlns:a16="http://schemas.microsoft.com/office/drawing/2014/main" id="{7A95FAB1-F5F9-05F9-02A4-5F182F2867BC}"/>
+                <a16:creationId xmlns:a16="http://schemas.microsoft.com/office/drawing/2014/main" id="{C5BE7359-F02E-CE69-6043-B8E242AD75D5}"/>
               </a:ext>
             </a:extLst>
           </p:cNvPr>
@@ -377,7 +377,7 @@
           <p:cNvPr id="3" name="竖排文字占位符 2">
             <a:extLst>
               <a:ext uri="{FF2B5EF4-FFF2-40B4-BE49-F238E27FC236}">
-                <a16:creationId xmlns:a16="http://schemas.microsoft.com/office/drawing/2014/main" id="{7E9AFFC2-DFFA-338A-356A-869E470C0F6E}"/>
+                <a16:creationId xmlns:a16="http://schemas.microsoft.com/office/drawing/2014/main" id="{C4735C33-723F-F9F7-777A-B1BEE789EF46}"/>
               </a:ext>
             </a:extLst>
           </p:cNvPr>
@@ -434,7 +434,7 @@
           <p:cNvPr id="4" name="日期占位符 3">
             <a:extLst>
               <a:ext uri="{FF2B5EF4-FFF2-40B4-BE49-F238E27FC236}">
-                <a16:creationId xmlns:a16="http://schemas.microsoft.com/office/drawing/2014/main" id="{B42FC4E9-7949-6D2A-6D32-6B2E77734924}"/>
+                <a16:creationId xmlns:a16="http://schemas.microsoft.com/office/drawing/2014/main" id="{DB3A5639-4DF4-9923-DA6D-2153B1EE645D}"/>
               </a:ext>
             </a:extLst>
           </p:cNvPr>
@@ -450,7 +450,7 @@
           <a:bodyPr/>
           <a:lstStyle/>
           <a:p>
-            <a:fld id="{8A8B5AF4-4F91-4C9A-AF30-8088FC0435E0}" type="datetimeFigureOut">
+            <a:fld id="{F087BD47-EFE4-4FBD-8495-1BA1642D28E2}" type="datetimeFigureOut">
               <a:rPr lang="zh-CN" altLang="en-US" smtClean="0"/>
               <a:t>2024/3/10</a:t>
             </a:fld>
@@ -463,7 +463,7 @@
           <p:cNvPr id="5" name="页脚占位符 4">
             <a:extLst>
               <a:ext uri="{FF2B5EF4-FFF2-40B4-BE49-F238E27FC236}">
-                <a16:creationId xmlns:a16="http://schemas.microsoft.com/office/drawing/2014/main" id="{566F9614-7404-96B1-3F8E-6702FA11D153}"/>
+                <a16:creationId xmlns:a16="http://schemas.microsoft.com/office/drawing/2014/main" id="{5CEA74D0-F76A-C989-F3B2-1B80638878D1}"/>
               </a:ext>
             </a:extLst>
           </p:cNvPr>
@@ -488,7 +488,7 @@
           <p:cNvPr id="6" name="灯片编号占位符 5">
             <a:extLst>
               <a:ext uri="{FF2B5EF4-FFF2-40B4-BE49-F238E27FC236}">
-                <a16:creationId xmlns:a16="http://schemas.microsoft.com/office/drawing/2014/main" id="{2A327D03-A827-6341-C629-6AB4D166F977}"/>
+                <a16:creationId xmlns:a16="http://schemas.microsoft.com/office/drawing/2014/main" id="{3B78FCC6-7249-B9D0-0B8F-9420EA66029C}"/>
               </a:ext>
             </a:extLst>
           </p:cNvPr>
@@ -504,7 +504,7 @@
           <a:bodyPr/>
           <a:lstStyle/>
           <a:p>
-            <a:fld id="{E18BAAD7-CA49-4577-A596-9DF61B914C27}" type="slidenum">
+            <a:fld id="{5A044EA0-9DF0-4429-BBBD-2B66A227EF1D}" type="slidenum">
               <a:rPr lang="zh-CN" altLang="en-US" smtClean="0"/>
               <a:t>‹#›</a:t>
             </a:fld>
@@ -515,7 +515,7 @@
     </p:spTree>
     <p:extLst>
       <p:ext uri="{BB962C8B-B14F-4D97-AF65-F5344CB8AC3E}">
-        <p14:creationId xmlns:p14="http://schemas.microsoft.com/office/powerpoint/2010/main" val="3907822013"/>
+        <p14:creationId xmlns:p14="http://schemas.microsoft.com/office/powerpoint/2010/main" val="3870159154"/>
       </p:ext>
     </p:extLst>
   </p:cSld>
@@ -547,7 +547,7 @@
           <p:cNvPr id="2" name="竖排标题 1">
             <a:extLst>
               <a:ext uri="{FF2B5EF4-FFF2-40B4-BE49-F238E27FC236}">
-                <a16:creationId xmlns:a16="http://schemas.microsoft.com/office/drawing/2014/main" id="{ADA161F6-9D21-8CE4-5678-89502D40E767}"/>
+                <a16:creationId xmlns:a16="http://schemas.microsoft.com/office/drawing/2014/main" id="{71461675-50C4-7F2F-4A32-FA86DAA97463}"/>
               </a:ext>
             </a:extLst>
           </p:cNvPr>
@@ -580,7 +580,7 @@
           <p:cNvPr id="3" name="竖排文字占位符 2">
             <a:extLst>
               <a:ext uri="{FF2B5EF4-FFF2-40B4-BE49-F238E27FC236}">
-                <a16:creationId xmlns:a16="http://schemas.microsoft.com/office/drawing/2014/main" id="{D36844E5-FAAB-05AB-1DB2-47CBB2EA7CC9}"/>
+                <a16:creationId xmlns:a16="http://schemas.microsoft.com/office/drawing/2014/main" id="{D1711D31-858C-B648-9647-52781A54EE1A}"/>
               </a:ext>
             </a:extLst>
           </p:cNvPr>
@@ -642,7 +642,7 @@
           <p:cNvPr id="4" name="日期占位符 3">
             <a:extLst>
               <a:ext uri="{FF2B5EF4-FFF2-40B4-BE49-F238E27FC236}">
-                <a16:creationId xmlns:a16="http://schemas.microsoft.com/office/drawing/2014/main" id="{C621FC4B-E458-8D77-7FE1-951548EFA09D}"/>
+                <a16:creationId xmlns:a16="http://schemas.microsoft.com/office/drawing/2014/main" id="{962C06C6-5CBC-0E6B-C1D3-E622BE2DD774}"/>
               </a:ext>
             </a:extLst>
           </p:cNvPr>
@@ -658,7 +658,7 @@
           <a:bodyPr/>
           <a:lstStyle/>
           <a:p>
-            <a:fld id="{8A8B5AF4-4F91-4C9A-AF30-8088FC0435E0}" type="datetimeFigureOut">
+            <a:fld id="{F087BD47-EFE4-4FBD-8495-1BA1642D28E2}" type="datetimeFigureOut">
               <a:rPr lang="zh-CN" altLang="en-US" smtClean="0"/>
               <a:t>2024/3/10</a:t>
             </a:fld>
@@ -671,7 +671,7 @@
           <p:cNvPr id="5" name="页脚占位符 4">
             <a:extLst>
               <a:ext uri="{FF2B5EF4-FFF2-40B4-BE49-F238E27FC236}">
-                <a16:creationId xmlns:a16="http://schemas.microsoft.com/office/drawing/2014/main" id="{0ABB47B4-AF2E-EE35-619B-A471F72C7D94}"/>
+                <a16:creationId xmlns:a16="http://schemas.microsoft.com/office/drawing/2014/main" id="{366A5A9C-D2AC-55A4-EC2B-7CEBC5A875C5}"/>
               </a:ext>
             </a:extLst>
           </p:cNvPr>
@@ -696,7 +696,7 @@
           <p:cNvPr id="6" name="灯片编号占位符 5">
             <a:extLst>
               <a:ext uri="{FF2B5EF4-FFF2-40B4-BE49-F238E27FC236}">
-                <a16:creationId xmlns:a16="http://schemas.microsoft.com/office/drawing/2014/main" id="{D877AC63-D356-5D01-4804-6543421299E9}"/>
+                <a16:creationId xmlns:a16="http://schemas.microsoft.com/office/drawing/2014/main" id="{A6D5B26E-D734-3E39-0199-F8BD5F4FE874}"/>
               </a:ext>
             </a:extLst>
           </p:cNvPr>
@@ -712,7 +712,7 @@
           <a:bodyPr/>
           <a:lstStyle/>
           <a:p>
-            <a:fld id="{E18BAAD7-CA49-4577-A596-9DF61B914C27}" type="slidenum">
+            <a:fld id="{5A044EA0-9DF0-4429-BBBD-2B66A227EF1D}" type="slidenum">
               <a:rPr lang="zh-CN" altLang="en-US" smtClean="0"/>
               <a:t>‹#›</a:t>
             </a:fld>
@@ -723,7 +723,7 @@
     </p:spTree>
     <p:extLst>
       <p:ext uri="{BB962C8B-B14F-4D97-AF65-F5344CB8AC3E}">
-        <p14:creationId xmlns:p14="http://schemas.microsoft.com/office/powerpoint/2010/main" val="1750864484"/>
+        <p14:creationId xmlns:p14="http://schemas.microsoft.com/office/powerpoint/2010/main" val="1462534591"/>
       </p:ext>
     </p:extLst>
   </p:cSld>
@@ -755,7 +755,7 @@
           <p:cNvPr id="2" name="标题 1">
             <a:extLst>
               <a:ext uri="{FF2B5EF4-FFF2-40B4-BE49-F238E27FC236}">
-                <a16:creationId xmlns:a16="http://schemas.microsoft.com/office/drawing/2014/main" id="{A58FA623-D4CE-64F6-F7B0-B81541AED6E3}"/>
+                <a16:creationId xmlns:a16="http://schemas.microsoft.com/office/drawing/2014/main" id="{3DA632C1-C8C1-F71F-3042-3F1269A88594}"/>
               </a:ext>
             </a:extLst>
           </p:cNvPr>
@@ -783,7 +783,7 @@
           <p:cNvPr id="3" name="内容占位符 2">
             <a:extLst>
               <a:ext uri="{FF2B5EF4-FFF2-40B4-BE49-F238E27FC236}">
-                <a16:creationId xmlns:a16="http://schemas.microsoft.com/office/drawing/2014/main" id="{10CCC74F-5F5D-C3A7-C60D-EB6FEE1262CA}"/>
+                <a16:creationId xmlns:a16="http://schemas.microsoft.com/office/drawing/2014/main" id="{DE7BC30D-172D-4CBC-6B17-86711C2290D9}"/>
               </a:ext>
             </a:extLst>
           </p:cNvPr>
@@ -840,7 +840,7 @@
           <p:cNvPr id="4" name="日期占位符 3">
             <a:extLst>
               <a:ext uri="{FF2B5EF4-FFF2-40B4-BE49-F238E27FC236}">
-                <a16:creationId xmlns:a16="http://schemas.microsoft.com/office/drawing/2014/main" id="{3807FFFE-3F2F-1E8A-57F6-775BB69DBB54}"/>
+                <a16:creationId xmlns:a16="http://schemas.microsoft.com/office/drawing/2014/main" id="{EC9CCF25-A954-2F4F-EC19-8D155D188460}"/>
               </a:ext>
             </a:extLst>
           </p:cNvPr>
@@ -856,7 +856,7 @@
           <a:bodyPr/>
           <a:lstStyle/>
           <a:p>
-            <a:fld id="{8A8B5AF4-4F91-4C9A-AF30-8088FC0435E0}" type="datetimeFigureOut">
+            <a:fld id="{F087BD47-EFE4-4FBD-8495-1BA1642D28E2}" type="datetimeFigureOut">
               <a:rPr lang="zh-CN" altLang="en-US" smtClean="0"/>
               <a:t>2024/3/10</a:t>
             </a:fld>
@@ -869,7 +869,7 @@
           <p:cNvPr id="5" name="页脚占位符 4">
             <a:extLst>
               <a:ext uri="{FF2B5EF4-FFF2-40B4-BE49-F238E27FC236}">
-                <a16:creationId xmlns:a16="http://schemas.microsoft.com/office/drawing/2014/main" id="{9871D0B3-35B3-C9F2-6946-DF38589A783B}"/>
+                <a16:creationId xmlns:a16="http://schemas.microsoft.com/office/drawing/2014/main" id="{348DAE99-09FC-1837-665F-B8F0497E4830}"/>
               </a:ext>
             </a:extLst>
           </p:cNvPr>
@@ -894,7 +894,7 @@
           <p:cNvPr id="6" name="灯片编号占位符 5">
             <a:extLst>
               <a:ext uri="{FF2B5EF4-FFF2-40B4-BE49-F238E27FC236}">
-                <a16:creationId xmlns:a16="http://schemas.microsoft.com/office/drawing/2014/main" id="{6273B755-3100-A022-1434-1C6F1BBA3026}"/>
+                <a16:creationId xmlns:a16="http://schemas.microsoft.com/office/drawing/2014/main" id="{2D01BE4E-0292-22D0-629E-ABDF71126D1C}"/>
               </a:ext>
             </a:extLst>
           </p:cNvPr>
@@ -910,7 +910,7 @@
           <a:bodyPr/>
           <a:lstStyle/>
           <a:p>
-            <a:fld id="{E18BAAD7-CA49-4577-A596-9DF61B914C27}" type="slidenum">
+            <a:fld id="{5A044EA0-9DF0-4429-BBBD-2B66A227EF1D}" type="slidenum">
               <a:rPr lang="zh-CN" altLang="en-US" smtClean="0"/>
               <a:t>‹#›</a:t>
             </a:fld>
@@ -921,7 +921,7 @@
     </p:spTree>
     <p:extLst>
       <p:ext uri="{BB962C8B-B14F-4D97-AF65-F5344CB8AC3E}">
-        <p14:creationId xmlns:p14="http://schemas.microsoft.com/office/powerpoint/2010/main" val="2758508493"/>
+        <p14:creationId xmlns:p14="http://schemas.microsoft.com/office/powerpoint/2010/main" val="3609227212"/>
       </p:ext>
     </p:extLst>
   </p:cSld>
@@ -953,7 +953,7 @@
           <p:cNvPr id="2" name="标题 1">
             <a:extLst>
               <a:ext uri="{FF2B5EF4-FFF2-40B4-BE49-F238E27FC236}">
-                <a16:creationId xmlns:a16="http://schemas.microsoft.com/office/drawing/2014/main" id="{5A5429EE-061A-8980-76A6-CCE9837182AA}"/>
+                <a16:creationId xmlns:a16="http://schemas.microsoft.com/office/drawing/2014/main" id="{AE034B2D-070C-9FD4-9D3C-95399547389C}"/>
               </a:ext>
             </a:extLst>
           </p:cNvPr>
@@ -990,7 +990,7 @@
           <p:cNvPr id="3" name="文本占位符 2">
             <a:extLst>
               <a:ext uri="{FF2B5EF4-FFF2-40B4-BE49-F238E27FC236}">
-                <a16:creationId xmlns:a16="http://schemas.microsoft.com/office/drawing/2014/main" id="{32B71F77-01F6-FA5A-AF4A-9CA0C3FBA3AD}"/>
+                <a16:creationId xmlns:a16="http://schemas.microsoft.com/office/drawing/2014/main" id="{1223ACDB-EB15-0B1C-A860-1D4616A7019E}"/>
               </a:ext>
             </a:extLst>
           </p:cNvPr>
@@ -1115,7 +1115,7 @@
           <p:cNvPr id="4" name="日期占位符 3">
             <a:extLst>
               <a:ext uri="{FF2B5EF4-FFF2-40B4-BE49-F238E27FC236}">
-                <a16:creationId xmlns:a16="http://schemas.microsoft.com/office/drawing/2014/main" id="{3C3EE8FE-4B11-ADAB-97D8-1210B3EEE0D9}"/>
+                <a16:creationId xmlns:a16="http://schemas.microsoft.com/office/drawing/2014/main" id="{99A2AB1A-81DB-6205-F491-9E7C4E7785D0}"/>
               </a:ext>
             </a:extLst>
           </p:cNvPr>
@@ -1131,7 +1131,7 @@
           <a:bodyPr/>
           <a:lstStyle/>
           <a:p>
-            <a:fld id="{8A8B5AF4-4F91-4C9A-AF30-8088FC0435E0}" type="datetimeFigureOut">
+            <a:fld id="{F087BD47-EFE4-4FBD-8495-1BA1642D28E2}" type="datetimeFigureOut">
               <a:rPr lang="zh-CN" altLang="en-US" smtClean="0"/>
               <a:t>2024/3/10</a:t>
             </a:fld>
@@ -1144,7 +1144,7 @@
           <p:cNvPr id="5" name="页脚占位符 4">
             <a:extLst>
               <a:ext uri="{FF2B5EF4-FFF2-40B4-BE49-F238E27FC236}">
-                <a16:creationId xmlns:a16="http://schemas.microsoft.com/office/drawing/2014/main" id="{EF081119-4F36-B771-3BCF-FE5CCFBD6E61}"/>
+                <a16:creationId xmlns:a16="http://schemas.microsoft.com/office/drawing/2014/main" id="{677A5D67-01A5-5F0C-48DF-F83F7D1DCCA4}"/>
               </a:ext>
             </a:extLst>
           </p:cNvPr>
@@ -1169,7 +1169,7 @@
           <p:cNvPr id="6" name="灯片编号占位符 5">
             <a:extLst>
               <a:ext uri="{FF2B5EF4-FFF2-40B4-BE49-F238E27FC236}">
-                <a16:creationId xmlns:a16="http://schemas.microsoft.com/office/drawing/2014/main" id="{F5A76B7A-B520-4121-828E-A47B78CDCF5C}"/>
+                <a16:creationId xmlns:a16="http://schemas.microsoft.com/office/drawing/2014/main" id="{DFA20DC5-C883-6107-8325-20122A46039A}"/>
               </a:ext>
             </a:extLst>
           </p:cNvPr>
@@ -1185,7 +1185,7 @@
           <a:bodyPr/>
           <a:lstStyle/>
           <a:p>
-            <a:fld id="{E18BAAD7-CA49-4577-A596-9DF61B914C27}" type="slidenum">
+            <a:fld id="{5A044EA0-9DF0-4429-BBBD-2B66A227EF1D}" type="slidenum">
               <a:rPr lang="zh-CN" altLang="en-US" smtClean="0"/>
               <a:t>‹#›</a:t>
             </a:fld>
@@ -1196,7 +1196,7 @@
     </p:spTree>
     <p:extLst>
       <p:ext uri="{BB962C8B-B14F-4D97-AF65-F5344CB8AC3E}">
-        <p14:creationId xmlns:p14="http://schemas.microsoft.com/office/powerpoint/2010/main" val="3398994076"/>
+        <p14:creationId xmlns:p14="http://schemas.microsoft.com/office/powerpoint/2010/main" val="493997647"/>
       </p:ext>
     </p:extLst>
   </p:cSld>
@@ -1228,7 +1228,7 @@
           <p:cNvPr id="2" name="标题 1">
             <a:extLst>
               <a:ext uri="{FF2B5EF4-FFF2-40B4-BE49-F238E27FC236}">
-                <a16:creationId xmlns:a16="http://schemas.microsoft.com/office/drawing/2014/main" id="{10182253-E632-727F-2F3A-A70DD491DC67}"/>
+                <a16:creationId xmlns:a16="http://schemas.microsoft.com/office/drawing/2014/main" id="{5951F4FA-F163-F0E9-7C64-C64E2A5B2642}"/>
               </a:ext>
             </a:extLst>
           </p:cNvPr>
@@ -1256,7 +1256,7 @@
           <p:cNvPr id="3" name="内容占位符 2">
             <a:extLst>
               <a:ext uri="{FF2B5EF4-FFF2-40B4-BE49-F238E27FC236}">
-                <a16:creationId xmlns:a16="http://schemas.microsoft.com/office/drawing/2014/main" id="{34A970ED-3C2E-4B9B-5C12-D2630C13A86D}"/>
+                <a16:creationId xmlns:a16="http://schemas.microsoft.com/office/drawing/2014/main" id="{86F1C155-5466-68EE-364D-6959C92BBBD8}"/>
               </a:ext>
             </a:extLst>
           </p:cNvPr>
@@ -1318,7 +1318,7 @@
           <p:cNvPr id="4" name="内容占位符 3">
             <a:extLst>
               <a:ext uri="{FF2B5EF4-FFF2-40B4-BE49-F238E27FC236}">
-                <a16:creationId xmlns:a16="http://schemas.microsoft.com/office/drawing/2014/main" id="{1D1193CE-666A-C082-BC49-84A1AA0F6DA5}"/>
+                <a16:creationId xmlns:a16="http://schemas.microsoft.com/office/drawing/2014/main" id="{E6418CDA-E6A6-7A26-B91C-CB886255D7A2}"/>
               </a:ext>
             </a:extLst>
           </p:cNvPr>
@@ -1380,7 +1380,7 @@
           <p:cNvPr id="5" name="日期占位符 4">
             <a:extLst>
               <a:ext uri="{FF2B5EF4-FFF2-40B4-BE49-F238E27FC236}">
-                <a16:creationId xmlns:a16="http://schemas.microsoft.com/office/drawing/2014/main" id="{63953323-CC3E-61C5-43FE-01B460459464}"/>
+                <a16:creationId xmlns:a16="http://schemas.microsoft.com/office/drawing/2014/main" id="{8E3360EF-5D81-0C60-ADFF-FA53FB9E4FA8}"/>
               </a:ext>
             </a:extLst>
           </p:cNvPr>
@@ -1396,7 +1396,7 @@
           <a:bodyPr/>
           <a:lstStyle/>
           <a:p>
-            <a:fld id="{8A8B5AF4-4F91-4C9A-AF30-8088FC0435E0}" type="datetimeFigureOut">
+            <a:fld id="{F087BD47-EFE4-4FBD-8495-1BA1642D28E2}" type="datetimeFigureOut">
               <a:rPr lang="zh-CN" altLang="en-US" smtClean="0"/>
               <a:t>2024/3/10</a:t>
             </a:fld>
@@ -1409,7 +1409,7 @@
           <p:cNvPr id="6" name="页脚占位符 5">
             <a:extLst>
               <a:ext uri="{FF2B5EF4-FFF2-40B4-BE49-F238E27FC236}">
-                <a16:creationId xmlns:a16="http://schemas.microsoft.com/office/drawing/2014/main" id="{C5326BDB-B28A-D9E9-7FDE-7CA85C7454A4}"/>
+                <a16:creationId xmlns:a16="http://schemas.microsoft.com/office/drawing/2014/main" id="{3FCB86DE-AA88-26C1-BD02-1826CA0D7889}"/>
               </a:ext>
             </a:extLst>
           </p:cNvPr>
@@ -1434,7 +1434,7 @@
           <p:cNvPr id="7" name="灯片编号占位符 6">
             <a:extLst>
               <a:ext uri="{FF2B5EF4-FFF2-40B4-BE49-F238E27FC236}">
-                <a16:creationId xmlns:a16="http://schemas.microsoft.com/office/drawing/2014/main" id="{02774302-3DBB-FF6E-3649-7AA05286240F}"/>
+                <a16:creationId xmlns:a16="http://schemas.microsoft.com/office/drawing/2014/main" id="{0D61F142-6E8C-D1B7-644C-1BF40C8C1A47}"/>
               </a:ext>
             </a:extLst>
           </p:cNvPr>
@@ -1450,7 +1450,7 @@
           <a:bodyPr/>
           <a:lstStyle/>
           <a:p>
-            <a:fld id="{E18BAAD7-CA49-4577-A596-9DF61B914C27}" type="slidenum">
+            <a:fld id="{5A044EA0-9DF0-4429-BBBD-2B66A227EF1D}" type="slidenum">
               <a:rPr lang="zh-CN" altLang="en-US" smtClean="0"/>
               <a:t>‹#›</a:t>
             </a:fld>
@@ -1461,7 +1461,7 @@
     </p:spTree>
     <p:extLst>
       <p:ext uri="{BB962C8B-B14F-4D97-AF65-F5344CB8AC3E}">
-        <p14:creationId xmlns:p14="http://schemas.microsoft.com/office/powerpoint/2010/main" val="2489872933"/>
+        <p14:creationId xmlns:p14="http://schemas.microsoft.com/office/powerpoint/2010/main" val="1211434958"/>
       </p:ext>
     </p:extLst>
   </p:cSld>
@@ -1493,7 +1493,7 @@
           <p:cNvPr id="2" name="标题 1">
             <a:extLst>
               <a:ext uri="{FF2B5EF4-FFF2-40B4-BE49-F238E27FC236}">
-                <a16:creationId xmlns:a16="http://schemas.microsoft.com/office/drawing/2014/main" id="{484A8748-DE6C-504D-1A6E-E08934840FCB}"/>
+                <a16:creationId xmlns:a16="http://schemas.microsoft.com/office/drawing/2014/main" id="{D9AC19A4-1F7A-7A7C-F537-3C8882C298CF}"/>
               </a:ext>
             </a:extLst>
           </p:cNvPr>
@@ -1526,7 +1526,7 @@
           <p:cNvPr id="3" name="文本占位符 2">
             <a:extLst>
               <a:ext uri="{FF2B5EF4-FFF2-40B4-BE49-F238E27FC236}">
-                <a16:creationId xmlns:a16="http://schemas.microsoft.com/office/drawing/2014/main" id="{5F94304C-0D6A-4E47-6B0C-0EE9E1E1B280}"/>
+                <a16:creationId xmlns:a16="http://schemas.microsoft.com/office/drawing/2014/main" id="{485C3567-9B3B-E5AB-FF96-5B91EA9FF81D}"/>
               </a:ext>
             </a:extLst>
           </p:cNvPr>
@@ -1597,7 +1597,7 @@
           <p:cNvPr id="4" name="内容占位符 3">
             <a:extLst>
               <a:ext uri="{FF2B5EF4-FFF2-40B4-BE49-F238E27FC236}">
-                <a16:creationId xmlns:a16="http://schemas.microsoft.com/office/drawing/2014/main" id="{B93B1C10-4C22-9F65-9F73-137D0E6157E8}"/>
+                <a16:creationId xmlns:a16="http://schemas.microsoft.com/office/drawing/2014/main" id="{01B42D1D-42A3-3C77-BA6F-90C83ACCFFE4}"/>
               </a:ext>
             </a:extLst>
           </p:cNvPr>
@@ -1659,7 +1659,7 @@
           <p:cNvPr id="5" name="文本占位符 4">
             <a:extLst>
               <a:ext uri="{FF2B5EF4-FFF2-40B4-BE49-F238E27FC236}">
-                <a16:creationId xmlns:a16="http://schemas.microsoft.com/office/drawing/2014/main" id="{5735AD34-2429-7967-3AA3-7029FB63E48B}"/>
+                <a16:creationId xmlns:a16="http://schemas.microsoft.com/office/drawing/2014/main" id="{431F2D0C-0E9B-7E8A-25D3-1B8D4082A6A0}"/>
               </a:ext>
             </a:extLst>
           </p:cNvPr>
@@ -1730,7 +1730,7 @@
           <p:cNvPr id="6" name="内容占位符 5">
             <a:extLst>
               <a:ext uri="{FF2B5EF4-FFF2-40B4-BE49-F238E27FC236}">
-                <a16:creationId xmlns:a16="http://schemas.microsoft.com/office/drawing/2014/main" id="{B3584CE2-2185-8D6D-7A56-B1EFFFCE0C6F}"/>
+                <a16:creationId xmlns:a16="http://schemas.microsoft.com/office/drawing/2014/main" id="{8E38CA87-8399-8AE0-6003-D8584CFC77F3}"/>
               </a:ext>
             </a:extLst>
           </p:cNvPr>
@@ -1792,7 +1792,7 @@
           <p:cNvPr id="7" name="日期占位符 6">
             <a:extLst>
               <a:ext uri="{FF2B5EF4-FFF2-40B4-BE49-F238E27FC236}">
-                <a16:creationId xmlns:a16="http://schemas.microsoft.com/office/drawing/2014/main" id="{434B7FE7-17CA-F426-A59F-C1CE88C8D3D4}"/>
+                <a16:creationId xmlns:a16="http://schemas.microsoft.com/office/drawing/2014/main" id="{BFD1C792-DF31-1BFC-F903-8DED8575B5DF}"/>
               </a:ext>
             </a:extLst>
           </p:cNvPr>
@@ -1808,7 +1808,7 @@
           <a:bodyPr/>
           <a:lstStyle/>
           <a:p>
-            <a:fld id="{8A8B5AF4-4F91-4C9A-AF30-8088FC0435E0}" type="datetimeFigureOut">
+            <a:fld id="{F087BD47-EFE4-4FBD-8495-1BA1642D28E2}" type="datetimeFigureOut">
               <a:rPr lang="zh-CN" altLang="en-US" smtClean="0"/>
               <a:t>2024/3/10</a:t>
             </a:fld>
@@ -1821,7 +1821,7 @@
           <p:cNvPr id="8" name="页脚占位符 7">
             <a:extLst>
               <a:ext uri="{FF2B5EF4-FFF2-40B4-BE49-F238E27FC236}">
-                <a16:creationId xmlns:a16="http://schemas.microsoft.com/office/drawing/2014/main" id="{319CD722-E1FA-BB26-9841-6E519F11B801}"/>
+                <a16:creationId xmlns:a16="http://schemas.microsoft.com/office/drawing/2014/main" id="{1E13C052-4E4D-D997-F693-9ABBE1E431CD}"/>
               </a:ext>
             </a:extLst>
           </p:cNvPr>
@@ -1846,7 +1846,7 @@
           <p:cNvPr id="9" name="灯片编号占位符 8">
             <a:extLst>
               <a:ext uri="{FF2B5EF4-FFF2-40B4-BE49-F238E27FC236}">
-                <a16:creationId xmlns:a16="http://schemas.microsoft.com/office/drawing/2014/main" id="{1B1A909E-FDAF-A00E-DA75-F1FB8BC4C190}"/>
+                <a16:creationId xmlns:a16="http://schemas.microsoft.com/office/drawing/2014/main" id="{05ECB15A-98C6-43A7-725A-ADF856CADDF5}"/>
               </a:ext>
             </a:extLst>
           </p:cNvPr>
@@ -1862,7 +1862,7 @@
           <a:bodyPr/>
           <a:lstStyle/>
           <a:p>
-            <a:fld id="{E18BAAD7-CA49-4577-A596-9DF61B914C27}" type="slidenum">
+            <a:fld id="{5A044EA0-9DF0-4429-BBBD-2B66A227EF1D}" type="slidenum">
               <a:rPr lang="zh-CN" altLang="en-US" smtClean="0"/>
               <a:t>‹#›</a:t>
             </a:fld>
@@ -1873,7 +1873,7 @@
     </p:spTree>
     <p:extLst>
       <p:ext uri="{BB962C8B-B14F-4D97-AF65-F5344CB8AC3E}">
-        <p14:creationId xmlns:p14="http://schemas.microsoft.com/office/powerpoint/2010/main" val="708153226"/>
+        <p14:creationId xmlns:p14="http://schemas.microsoft.com/office/powerpoint/2010/main" val="4169875226"/>
       </p:ext>
     </p:extLst>
   </p:cSld>
@@ -1905,7 +1905,7 @@
           <p:cNvPr id="2" name="标题 1">
             <a:extLst>
               <a:ext uri="{FF2B5EF4-FFF2-40B4-BE49-F238E27FC236}">
-                <a16:creationId xmlns:a16="http://schemas.microsoft.com/office/drawing/2014/main" id="{5E77093E-F58C-F4EE-291A-D93C4EF4396F}"/>
+                <a16:creationId xmlns:a16="http://schemas.microsoft.com/office/drawing/2014/main" id="{5BC4956E-5CFA-E03A-1756-867B110989C4}"/>
               </a:ext>
             </a:extLst>
           </p:cNvPr>
@@ -1933,7 +1933,7 @@
           <p:cNvPr id="3" name="日期占位符 2">
             <a:extLst>
               <a:ext uri="{FF2B5EF4-FFF2-40B4-BE49-F238E27FC236}">
-                <a16:creationId xmlns:a16="http://schemas.microsoft.com/office/drawing/2014/main" id="{6381D4A4-5AD0-E20E-8F80-756517C743C0}"/>
+                <a16:creationId xmlns:a16="http://schemas.microsoft.com/office/drawing/2014/main" id="{3A8E8781-677A-20B9-6F34-730509E154AA}"/>
               </a:ext>
             </a:extLst>
           </p:cNvPr>
@@ -1949,7 +1949,7 @@
           <a:bodyPr/>
           <a:lstStyle/>
           <a:p>
-            <a:fld id="{8A8B5AF4-4F91-4C9A-AF30-8088FC0435E0}" type="datetimeFigureOut">
+            <a:fld id="{F087BD47-EFE4-4FBD-8495-1BA1642D28E2}" type="datetimeFigureOut">
               <a:rPr lang="zh-CN" altLang="en-US" smtClean="0"/>
               <a:t>2024/3/10</a:t>
             </a:fld>
@@ -1962,7 +1962,7 @@
           <p:cNvPr id="4" name="页脚占位符 3">
             <a:extLst>
               <a:ext uri="{FF2B5EF4-FFF2-40B4-BE49-F238E27FC236}">
-                <a16:creationId xmlns:a16="http://schemas.microsoft.com/office/drawing/2014/main" id="{BC3CEE9D-9F5B-790F-C976-309E7DBE61BF}"/>
+                <a16:creationId xmlns:a16="http://schemas.microsoft.com/office/drawing/2014/main" id="{FF4BE34C-5B17-8B26-3BE0-17720B7C65BF}"/>
               </a:ext>
             </a:extLst>
           </p:cNvPr>
@@ -1987,7 +1987,7 @@
           <p:cNvPr id="5" name="灯片编号占位符 4">
             <a:extLst>
               <a:ext uri="{FF2B5EF4-FFF2-40B4-BE49-F238E27FC236}">
-                <a16:creationId xmlns:a16="http://schemas.microsoft.com/office/drawing/2014/main" id="{D094EF9B-4F67-5B0B-C921-0CC62E90CF15}"/>
+                <a16:creationId xmlns:a16="http://schemas.microsoft.com/office/drawing/2014/main" id="{2FD4360F-08EA-07CC-9692-B461E5A44866}"/>
               </a:ext>
             </a:extLst>
           </p:cNvPr>
@@ -2003,7 +2003,7 @@
           <a:bodyPr/>
           <a:lstStyle/>
           <a:p>
-            <a:fld id="{E18BAAD7-CA49-4577-A596-9DF61B914C27}" type="slidenum">
+            <a:fld id="{5A044EA0-9DF0-4429-BBBD-2B66A227EF1D}" type="slidenum">
               <a:rPr lang="zh-CN" altLang="en-US" smtClean="0"/>
               <a:t>‹#›</a:t>
             </a:fld>
@@ -2014,7 +2014,7 @@
     </p:spTree>
     <p:extLst>
       <p:ext uri="{BB962C8B-B14F-4D97-AF65-F5344CB8AC3E}">
-        <p14:creationId xmlns:p14="http://schemas.microsoft.com/office/powerpoint/2010/main" val="2629918809"/>
+        <p14:creationId xmlns:p14="http://schemas.microsoft.com/office/powerpoint/2010/main" val="3968426909"/>
       </p:ext>
     </p:extLst>
   </p:cSld>
@@ -2046,7 +2046,7 @@
           <p:cNvPr id="2" name="日期占位符 1">
             <a:extLst>
               <a:ext uri="{FF2B5EF4-FFF2-40B4-BE49-F238E27FC236}">
-                <a16:creationId xmlns:a16="http://schemas.microsoft.com/office/drawing/2014/main" id="{9871DF7C-91A2-6F57-D39B-529745D6FFC8}"/>
+                <a16:creationId xmlns:a16="http://schemas.microsoft.com/office/drawing/2014/main" id="{A24F379D-9626-EC7A-2FBE-05D7A84DA3F9}"/>
               </a:ext>
             </a:extLst>
           </p:cNvPr>
@@ -2062,7 +2062,7 @@
           <a:bodyPr/>
           <a:lstStyle/>
           <a:p>
-            <a:fld id="{8A8B5AF4-4F91-4C9A-AF30-8088FC0435E0}" type="datetimeFigureOut">
+            <a:fld id="{F087BD47-EFE4-4FBD-8495-1BA1642D28E2}" type="datetimeFigureOut">
               <a:rPr lang="zh-CN" altLang="en-US" smtClean="0"/>
               <a:t>2024/3/10</a:t>
             </a:fld>
@@ -2075,7 +2075,7 @@
           <p:cNvPr id="3" name="页脚占位符 2">
             <a:extLst>
               <a:ext uri="{FF2B5EF4-FFF2-40B4-BE49-F238E27FC236}">
-                <a16:creationId xmlns:a16="http://schemas.microsoft.com/office/drawing/2014/main" id="{64886AB2-24CC-E139-9E4A-EF27C2102012}"/>
+                <a16:creationId xmlns:a16="http://schemas.microsoft.com/office/drawing/2014/main" id="{8E37C9AC-F49D-69CF-C382-BEB2899417DF}"/>
               </a:ext>
             </a:extLst>
           </p:cNvPr>
@@ -2100,7 +2100,7 @@
           <p:cNvPr id="4" name="灯片编号占位符 3">
             <a:extLst>
               <a:ext uri="{FF2B5EF4-FFF2-40B4-BE49-F238E27FC236}">
-                <a16:creationId xmlns:a16="http://schemas.microsoft.com/office/drawing/2014/main" id="{82DE1201-2F5C-4DC4-9711-860C8F02AF52}"/>
+                <a16:creationId xmlns:a16="http://schemas.microsoft.com/office/drawing/2014/main" id="{0D24840E-121C-324C-B082-6269A480FE26}"/>
               </a:ext>
             </a:extLst>
           </p:cNvPr>
@@ -2116,7 +2116,7 @@
           <a:bodyPr/>
           <a:lstStyle/>
           <a:p>
-            <a:fld id="{E18BAAD7-CA49-4577-A596-9DF61B914C27}" type="slidenum">
+            <a:fld id="{5A044EA0-9DF0-4429-BBBD-2B66A227EF1D}" type="slidenum">
               <a:rPr lang="zh-CN" altLang="en-US" smtClean="0"/>
               <a:t>‹#›</a:t>
             </a:fld>
@@ -2127,7 +2127,7 @@
     </p:spTree>
     <p:extLst>
       <p:ext uri="{BB962C8B-B14F-4D97-AF65-F5344CB8AC3E}">
-        <p14:creationId xmlns:p14="http://schemas.microsoft.com/office/powerpoint/2010/main" val="3141574395"/>
+        <p14:creationId xmlns:p14="http://schemas.microsoft.com/office/powerpoint/2010/main" val="1591475227"/>
       </p:ext>
     </p:extLst>
   </p:cSld>
@@ -2159,7 +2159,7 @@
           <p:cNvPr id="2" name="标题 1">
             <a:extLst>
               <a:ext uri="{FF2B5EF4-FFF2-40B4-BE49-F238E27FC236}">
-                <a16:creationId xmlns:a16="http://schemas.microsoft.com/office/drawing/2014/main" id="{B9D3BA4D-545E-31ED-04F3-E2632BF3E047}"/>
+                <a16:creationId xmlns:a16="http://schemas.microsoft.com/office/drawing/2014/main" id="{0C3D6B3D-FBF0-A4D9-5AB8-0C7F93607402}"/>
               </a:ext>
             </a:extLst>
           </p:cNvPr>
@@ -2196,7 +2196,7 @@
           <p:cNvPr id="3" name="内容占位符 2">
             <a:extLst>
               <a:ext uri="{FF2B5EF4-FFF2-40B4-BE49-F238E27FC236}">
-                <a16:creationId xmlns:a16="http://schemas.microsoft.com/office/drawing/2014/main" id="{89FA4CCE-3207-8DB4-BC01-BD8593B0F378}"/>
+                <a16:creationId xmlns:a16="http://schemas.microsoft.com/office/drawing/2014/main" id="{BEBA4A71-E7DC-E583-7F6C-FD2FF632ABA2}"/>
               </a:ext>
             </a:extLst>
           </p:cNvPr>
@@ -2286,7 +2286,7 @@
           <p:cNvPr id="4" name="文本占位符 3">
             <a:extLst>
               <a:ext uri="{FF2B5EF4-FFF2-40B4-BE49-F238E27FC236}">
-                <a16:creationId xmlns:a16="http://schemas.microsoft.com/office/drawing/2014/main" id="{87975AE7-3FC9-A236-1CEE-1A1F8D5DA153}"/>
+                <a16:creationId xmlns:a16="http://schemas.microsoft.com/office/drawing/2014/main" id="{35A03A78-281C-4667-E202-7788E8F8C4FC}"/>
               </a:ext>
             </a:extLst>
           </p:cNvPr>
@@ -2357,7 +2357,7 @@
           <p:cNvPr id="5" name="日期占位符 4">
             <a:extLst>
               <a:ext uri="{FF2B5EF4-FFF2-40B4-BE49-F238E27FC236}">
-                <a16:creationId xmlns:a16="http://schemas.microsoft.com/office/drawing/2014/main" id="{F3C3D0D0-8989-2D02-B6F3-EF08F3F84FFC}"/>
+                <a16:creationId xmlns:a16="http://schemas.microsoft.com/office/drawing/2014/main" id="{9F2FF8C3-B765-4F98-34A1-C177F1E7C0A3}"/>
               </a:ext>
             </a:extLst>
           </p:cNvPr>
@@ -2373,7 +2373,7 @@
           <a:bodyPr/>
           <a:lstStyle/>
           <a:p>
-            <a:fld id="{8A8B5AF4-4F91-4C9A-AF30-8088FC0435E0}" type="datetimeFigureOut">
+            <a:fld id="{F087BD47-EFE4-4FBD-8495-1BA1642D28E2}" type="datetimeFigureOut">
               <a:rPr lang="zh-CN" altLang="en-US" smtClean="0"/>
               <a:t>2024/3/10</a:t>
             </a:fld>
@@ -2386,7 +2386,7 @@
           <p:cNvPr id="6" name="页脚占位符 5">
             <a:extLst>
               <a:ext uri="{FF2B5EF4-FFF2-40B4-BE49-F238E27FC236}">
-                <a16:creationId xmlns:a16="http://schemas.microsoft.com/office/drawing/2014/main" id="{9DDB791E-4CC8-86CB-3C97-9FA6D12AAC4B}"/>
+                <a16:creationId xmlns:a16="http://schemas.microsoft.com/office/drawing/2014/main" id="{4C8A467B-C1F3-AB71-61BA-6ED265A09B3D}"/>
               </a:ext>
             </a:extLst>
           </p:cNvPr>
@@ -2411,7 +2411,7 @@
           <p:cNvPr id="7" name="灯片编号占位符 6">
             <a:extLst>
               <a:ext uri="{FF2B5EF4-FFF2-40B4-BE49-F238E27FC236}">
-                <a16:creationId xmlns:a16="http://schemas.microsoft.com/office/drawing/2014/main" id="{24ACAC0A-32EB-04AD-E182-4D5CC0A7AE24}"/>
+                <a16:creationId xmlns:a16="http://schemas.microsoft.com/office/drawing/2014/main" id="{4C9140DD-A302-7352-316B-3C3A8F2857C6}"/>
               </a:ext>
             </a:extLst>
           </p:cNvPr>
@@ -2427,7 +2427,7 @@
           <a:bodyPr/>
           <a:lstStyle/>
           <a:p>
-            <a:fld id="{E18BAAD7-CA49-4577-A596-9DF61B914C27}" type="slidenum">
+            <a:fld id="{5A044EA0-9DF0-4429-BBBD-2B66A227EF1D}" type="slidenum">
               <a:rPr lang="zh-CN" altLang="en-US" smtClean="0"/>
               <a:t>‹#›</a:t>
             </a:fld>
@@ -2438,7 +2438,7 @@
     </p:spTree>
     <p:extLst>
       <p:ext uri="{BB962C8B-B14F-4D97-AF65-F5344CB8AC3E}">
-        <p14:creationId xmlns:p14="http://schemas.microsoft.com/office/powerpoint/2010/main" val="4229044966"/>
+        <p14:creationId xmlns:p14="http://schemas.microsoft.com/office/powerpoint/2010/main" val="1632498302"/>
       </p:ext>
     </p:extLst>
   </p:cSld>
@@ -2470,7 +2470,7 @@
           <p:cNvPr id="2" name="标题 1">
             <a:extLst>
               <a:ext uri="{FF2B5EF4-FFF2-40B4-BE49-F238E27FC236}">
-                <a16:creationId xmlns:a16="http://schemas.microsoft.com/office/drawing/2014/main" id="{08F77FA8-3A4D-1C69-8254-91B65A74B8F3}"/>
+                <a16:creationId xmlns:a16="http://schemas.microsoft.com/office/drawing/2014/main" id="{6535B1B2-ADF4-B9C8-BF4D-593B48C514E1}"/>
               </a:ext>
             </a:extLst>
           </p:cNvPr>
@@ -2507,7 +2507,7 @@
           <p:cNvPr id="3" name="图片占位符 2">
             <a:extLst>
               <a:ext uri="{FF2B5EF4-FFF2-40B4-BE49-F238E27FC236}">
-                <a16:creationId xmlns:a16="http://schemas.microsoft.com/office/drawing/2014/main" id="{9789DE97-DE8B-1029-CDA7-C24F91B51F63}"/>
+                <a16:creationId xmlns:a16="http://schemas.microsoft.com/office/drawing/2014/main" id="{D10BC1A6-7F95-A2E4-F17C-62D88A0E195D}"/>
               </a:ext>
             </a:extLst>
           </p:cNvPr>
@@ -2574,7 +2574,7 @@
           <p:cNvPr id="4" name="文本占位符 3">
             <a:extLst>
               <a:ext uri="{FF2B5EF4-FFF2-40B4-BE49-F238E27FC236}">
-                <a16:creationId xmlns:a16="http://schemas.microsoft.com/office/drawing/2014/main" id="{462742DC-B24C-61E9-68E7-6D87DF7A8972}"/>
+                <a16:creationId xmlns:a16="http://schemas.microsoft.com/office/drawing/2014/main" id="{4A7FC367-D203-65F4-14E1-9A57065DC20C}"/>
               </a:ext>
             </a:extLst>
           </p:cNvPr>
@@ -2645,7 +2645,7 @@
           <p:cNvPr id="5" name="日期占位符 4">
             <a:extLst>
               <a:ext uri="{FF2B5EF4-FFF2-40B4-BE49-F238E27FC236}">
-                <a16:creationId xmlns:a16="http://schemas.microsoft.com/office/drawing/2014/main" id="{BB5F198E-6C34-7310-0E64-161EB89FDC58}"/>
+                <a16:creationId xmlns:a16="http://schemas.microsoft.com/office/drawing/2014/main" id="{A9466507-BF8F-9ADF-A342-B6D5CF3B72A1}"/>
               </a:ext>
             </a:extLst>
           </p:cNvPr>
@@ -2661,7 +2661,7 @@
           <a:bodyPr/>
           <a:lstStyle/>
           <a:p>
-            <a:fld id="{8A8B5AF4-4F91-4C9A-AF30-8088FC0435E0}" type="datetimeFigureOut">
+            <a:fld id="{F087BD47-EFE4-4FBD-8495-1BA1642D28E2}" type="datetimeFigureOut">
               <a:rPr lang="zh-CN" altLang="en-US" smtClean="0"/>
               <a:t>2024/3/10</a:t>
             </a:fld>
@@ -2674,7 +2674,7 @@
           <p:cNvPr id="6" name="页脚占位符 5">
             <a:extLst>
               <a:ext uri="{FF2B5EF4-FFF2-40B4-BE49-F238E27FC236}">
-                <a16:creationId xmlns:a16="http://schemas.microsoft.com/office/drawing/2014/main" id="{A501D3B1-17E0-2372-F297-1D4DDA8FA5DA}"/>
+                <a16:creationId xmlns:a16="http://schemas.microsoft.com/office/drawing/2014/main" id="{CC0AEE37-2408-3AB7-7595-85F71772365C}"/>
               </a:ext>
             </a:extLst>
           </p:cNvPr>
@@ -2699,7 +2699,7 @@
           <p:cNvPr id="7" name="灯片编号占位符 6">
             <a:extLst>
               <a:ext uri="{FF2B5EF4-FFF2-40B4-BE49-F238E27FC236}">
-                <a16:creationId xmlns:a16="http://schemas.microsoft.com/office/drawing/2014/main" id="{66DDA7E6-7719-EDF4-0FFF-930B2614C8A5}"/>
+                <a16:creationId xmlns:a16="http://schemas.microsoft.com/office/drawing/2014/main" id="{979B753D-BD63-9DBA-B032-B125E389A45A}"/>
               </a:ext>
             </a:extLst>
           </p:cNvPr>
@@ -2715,7 +2715,7 @@
           <a:bodyPr/>
           <a:lstStyle/>
           <a:p>
-            <a:fld id="{E18BAAD7-CA49-4577-A596-9DF61B914C27}" type="slidenum">
+            <a:fld id="{5A044EA0-9DF0-4429-BBBD-2B66A227EF1D}" type="slidenum">
               <a:rPr lang="zh-CN" altLang="en-US" smtClean="0"/>
               <a:t>‹#›</a:t>
             </a:fld>
@@ -2726,7 +2726,7 @@
     </p:spTree>
     <p:extLst>
       <p:ext uri="{BB962C8B-B14F-4D97-AF65-F5344CB8AC3E}">
-        <p14:creationId xmlns:p14="http://schemas.microsoft.com/office/powerpoint/2010/main" val="3590535961"/>
+        <p14:creationId xmlns:p14="http://schemas.microsoft.com/office/powerpoint/2010/main" val="966932530"/>
       </p:ext>
     </p:extLst>
   </p:cSld>
@@ -2763,7 +2763,7 @@
           <p:cNvPr id="2" name="标题占位符 1">
             <a:extLst>
               <a:ext uri="{FF2B5EF4-FFF2-40B4-BE49-F238E27FC236}">
-                <a16:creationId xmlns:a16="http://schemas.microsoft.com/office/drawing/2014/main" id="{B71ED5E7-D5CB-AC57-A587-B9ED56A11445}"/>
+                <a16:creationId xmlns:a16="http://schemas.microsoft.com/office/drawing/2014/main" id="{AA2A3AED-7193-28E5-3F63-B1157300D474}"/>
               </a:ext>
             </a:extLst>
           </p:cNvPr>
@@ -2801,7 +2801,7 @@
           <p:cNvPr id="3" name="文本占位符 2">
             <a:extLst>
               <a:ext uri="{FF2B5EF4-FFF2-40B4-BE49-F238E27FC236}">
-                <a16:creationId xmlns:a16="http://schemas.microsoft.com/office/drawing/2014/main" id="{ED20A4F9-5A5D-89A1-802D-6C2D04B65438}"/>
+                <a16:creationId xmlns:a16="http://schemas.microsoft.com/office/drawing/2014/main" id="{C45EBCD8-4841-89D3-5704-2A36DFF7F8C9}"/>
               </a:ext>
             </a:extLst>
           </p:cNvPr>
@@ -2868,7 +2868,7 @@
           <p:cNvPr id="4" name="日期占位符 3">
             <a:extLst>
               <a:ext uri="{FF2B5EF4-FFF2-40B4-BE49-F238E27FC236}">
-                <a16:creationId xmlns:a16="http://schemas.microsoft.com/office/drawing/2014/main" id="{47CB9645-B589-DEF6-4FAB-9D7FDFC13A92}"/>
+                <a16:creationId xmlns:a16="http://schemas.microsoft.com/office/drawing/2014/main" id="{3A35F13D-4203-F291-6B40-D4C49840F339}"/>
               </a:ext>
             </a:extLst>
           </p:cNvPr>
@@ -2902,7 +2902,7 @@
             </a:lvl1pPr>
           </a:lstStyle>
           <a:p>
-            <a:fld id="{8A8B5AF4-4F91-4C9A-AF30-8088FC0435E0}" type="datetimeFigureOut">
+            <a:fld id="{F087BD47-EFE4-4FBD-8495-1BA1642D28E2}" type="datetimeFigureOut">
               <a:rPr lang="zh-CN" altLang="en-US" smtClean="0"/>
               <a:t>2024/3/10</a:t>
             </a:fld>
@@ -2915,7 +2915,7 @@
           <p:cNvPr id="5" name="页脚占位符 4">
             <a:extLst>
               <a:ext uri="{FF2B5EF4-FFF2-40B4-BE49-F238E27FC236}">
-                <a16:creationId xmlns:a16="http://schemas.microsoft.com/office/drawing/2014/main" id="{02C3093E-F2E1-18FC-4C5F-D5657379289B}"/>
+                <a16:creationId xmlns:a16="http://schemas.microsoft.com/office/drawing/2014/main" id="{7262277F-C5FE-5A45-2025-2526501226C2}"/>
               </a:ext>
             </a:extLst>
           </p:cNvPr>
@@ -2958,7 +2958,7 @@
           <p:cNvPr id="6" name="灯片编号占位符 5">
             <a:extLst>
               <a:ext uri="{FF2B5EF4-FFF2-40B4-BE49-F238E27FC236}">
-                <a16:creationId xmlns:a16="http://schemas.microsoft.com/office/drawing/2014/main" id="{98B863A1-03AB-5EC7-4114-D597F10479DE}"/>
+                <a16:creationId xmlns:a16="http://schemas.microsoft.com/office/drawing/2014/main" id="{C74D0515-5609-99FB-F0CE-D86C50778289}"/>
               </a:ext>
             </a:extLst>
           </p:cNvPr>
@@ -2992,7 +2992,7 @@
             </a:lvl1pPr>
           </a:lstStyle>
           <a:p>
-            <a:fld id="{E18BAAD7-CA49-4577-A596-9DF61B914C27}" type="slidenum">
+            <a:fld id="{5A044EA0-9DF0-4429-BBBD-2B66A227EF1D}" type="slidenum">
               <a:rPr lang="zh-CN" altLang="en-US" smtClean="0"/>
               <a:t>‹#›</a:t>
             </a:fld>
@@ -3003,7 +3003,7 @@
     </p:spTree>
     <p:extLst>
       <p:ext uri="{BB962C8B-B14F-4D97-AF65-F5344CB8AC3E}">
-        <p14:creationId xmlns:p14="http://schemas.microsoft.com/office/powerpoint/2010/main" val="1045647314"/>
+        <p14:creationId xmlns:p14="http://schemas.microsoft.com/office/powerpoint/2010/main" val="2156165737"/>
       </p:ext>
     </p:extLst>
   </p:cSld>
